--- a/Oversight_Experiment.pptx
+++ b/Oversight_Experiment.pptx
@@ -12,6 +12,11 @@
     <p:sldId id="262" r:id="rId6"/>
     <p:sldId id="260" r:id="rId7"/>
     <p:sldId id="259" r:id="rId8"/>
+    <p:sldId id="263" r:id="rId9"/>
+    <p:sldId id="264" r:id="rId10"/>
+    <p:sldId id="265" r:id="rId11"/>
+    <p:sldId id="266" r:id="rId12"/>
+    <p:sldId id="267" r:id="rId13"/>
   </p:sldIdLst>
   <p:sldSz cx="12192000" cy="6858000"/>
   <p:notesSz cx="6858000" cy="9144000"/>
@@ -265,7 +270,7 @@
           <a:p>
             <a:fld id="{632A8851-40FB-4649-A369-F398C11730DE}" type="datetimeFigureOut">
               <a:rPr lang="de-DE" smtClean="0"/>
-              <a:t>22.11.2024</a:t>
+              <a:t>21.03.2025</a:t>
             </a:fld>
             <a:endParaRPr lang="de-DE"/>
           </a:p>
@@ -463,7 +468,7 @@
           <a:p>
             <a:fld id="{632A8851-40FB-4649-A369-F398C11730DE}" type="datetimeFigureOut">
               <a:rPr lang="de-DE" smtClean="0"/>
-              <a:t>22.11.2024</a:t>
+              <a:t>21.03.2025</a:t>
             </a:fld>
             <a:endParaRPr lang="de-DE"/>
           </a:p>
@@ -671,7 +676,7 @@
           <a:p>
             <a:fld id="{632A8851-40FB-4649-A369-F398C11730DE}" type="datetimeFigureOut">
               <a:rPr lang="de-DE" smtClean="0"/>
-              <a:t>22.11.2024</a:t>
+              <a:t>21.03.2025</a:t>
             </a:fld>
             <a:endParaRPr lang="de-DE"/>
           </a:p>
@@ -869,7 +874,7 @@
           <a:p>
             <a:fld id="{632A8851-40FB-4649-A369-F398C11730DE}" type="datetimeFigureOut">
               <a:rPr lang="de-DE" smtClean="0"/>
-              <a:t>22.11.2024</a:t>
+              <a:t>21.03.2025</a:t>
             </a:fld>
             <a:endParaRPr lang="de-DE"/>
           </a:p>
@@ -1144,7 +1149,7 @@
           <a:p>
             <a:fld id="{632A8851-40FB-4649-A369-F398C11730DE}" type="datetimeFigureOut">
               <a:rPr lang="de-DE" smtClean="0"/>
-              <a:t>22.11.2024</a:t>
+              <a:t>21.03.2025</a:t>
             </a:fld>
             <a:endParaRPr lang="de-DE"/>
           </a:p>
@@ -1409,7 +1414,7 @@
           <a:p>
             <a:fld id="{632A8851-40FB-4649-A369-F398C11730DE}" type="datetimeFigureOut">
               <a:rPr lang="de-DE" smtClean="0"/>
-              <a:t>22.11.2024</a:t>
+              <a:t>21.03.2025</a:t>
             </a:fld>
             <a:endParaRPr lang="de-DE"/>
           </a:p>
@@ -1821,7 +1826,7 @@
           <a:p>
             <a:fld id="{632A8851-40FB-4649-A369-F398C11730DE}" type="datetimeFigureOut">
               <a:rPr lang="de-DE" smtClean="0"/>
-              <a:t>22.11.2024</a:t>
+              <a:t>21.03.2025</a:t>
             </a:fld>
             <a:endParaRPr lang="de-DE"/>
           </a:p>
@@ -1962,7 +1967,7 @@
           <a:p>
             <a:fld id="{632A8851-40FB-4649-A369-F398C11730DE}" type="datetimeFigureOut">
               <a:rPr lang="de-DE" smtClean="0"/>
-              <a:t>22.11.2024</a:t>
+              <a:t>21.03.2025</a:t>
             </a:fld>
             <a:endParaRPr lang="de-DE"/>
           </a:p>
@@ -2075,7 +2080,7 @@
           <a:p>
             <a:fld id="{632A8851-40FB-4649-A369-F398C11730DE}" type="datetimeFigureOut">
               <a:rPr lang="de-DE" smtClean="0"/>
-              <a:t>22.11.2024</a:t>
+              <a:t>21.03.2025</a:t>
             </a:fld>
             <a:endParaRPr lang="de-DE"/>
           </a:p>
@@ -2386,7 +2391,7 @@
           <a:p>
             <a:fld id="{632A8851-40FB-4649-A369-F398C11730DE}" type="datetimeFigureOut">
               <a:rPr lang="de-DE" smtClean="0"/>
-              <a:t>22.11.2024</a:t>
+              <a:t>21.03.2025</a:t>
             </a:fld>
             <a:endParaRPr lang="de-DE"/>
           </a:p>
@@ -2674,7 +2679,7 @@
           <a:p>
             <a:fld id="{632A8851-40FB-4649-A369-F398C11730DE}" type="datetimeFigureOut">
               <a:rPr lang="de-DE" smtClean="0"/>
-              <a:t>22.11.2024</a:t>
+              <a:t>21.03.2025</a:t>
             </a:fld>
             <a:endParaRPr lang="de-DE"/>
           </a:p>
@@ -2915,7 +2920,7 @@
           <a:p>
             <a:fld id="{632A8851-40FB-4649-A369-F398C11730DE}" type="datetimeFigureOut">
               <a:rPr lang="de-DE" smtClean="0"/>
-              <a:t>22.11.2024</a:t>
+              <a:t>21.03.2025</a:t>
             </a:fld>
             <a:endParaRPr lang="de-DE"/>
           </a:p>
@@ -4566,6 +4571,560 @@
 </p:sld>
 </file>
 
+<file path=ppt/slides/slide10.xml><?xml version="1.0" encoding="utf-8"?>
+<p:sld xmlns:a="http://schemas.openxmlformats.org/drawingml/2006/main" xmlns:r="http://schemas.openxmlformats.org/officeDocument/2006/relationships" xmlns:p="http://schemas.openxmlformats.org/presentationml/2006/main">
+  <p:cSld>
+    <p:spTree>
+      <p:nvGrpSpPr>
+        <p:cNvPr id="1" name="">
+          <a:extLst>
+            <a:ext uri="{FF2B5EF4-FFF2-40B4-BE49-F238E27FC236}">
+              <a16:creationId xmlns:a16="http://schemas.microsoft.com/office/drawing/2014/main" id="{9A4A16C3-87F0-B39D-F8E0-EF94B856A7EB}"/>
+            </a:ext>
+          </a:extLst>
+        </p:cNvPr>
+        <p:cNvGrpSpPr/>
+        <p:nvPr/>
+      </p:nvGrpSpPr>
+      <p:grpSpPr>
+        <a:xfrm>
+          <a:off x="0" y="0"/>
+          <a:ext cx="0" cy="0"/>
+          <a:chOff x="0" y="0"/>
+          <a:chExt cx="0" cy="0"/>
+        </a:xfrm>
+      </p:grpSpPr>
+      <p:sp>
+        <p:nvSpPr>
+          <p:cNvPr id="2" name="Titel 1">
+            <a:extLst>
+              <a:ext uri="{FF2B5EF4-FFF2-40B4-BE49-F238E27FC236}">
+                <a16:creationId xmlns:a16="http://schemas.microsoft.com/office/drawing/2014/main" id="{3A06FC8E-5C79-088A-A926-FA1B853B4DC8}"/>
+              </a:ext>
+            </a:extLst>
+          </p:cNvPr>
+          <p:cNvSpPr>
+            <a:spLocks noGrp="1"/>
+          </p:cNvSpPr>
+          <p:nvPr>
+            <p:ph type="title"/>
+          </p:nvPr>
+        </p:nvSpPr>
+        <p:spPr/>
+        <p:txBody>
+          <a:bodyPr>
+            <a:normAutofit/>
+          </a:bodyPr>
+          <a:lstStyle/>
+          <a:p>
+            <a:r>
+              <a:rPr lang="de-DE" sz="2800" dirty="0"/>
+              <a:t>Aktueller Stand : Experimentelles Design, Feedback Testpersonen</a:t>
+            </a:r>
+          </a:p>
+        </p:txBody>
+      </p:sp>
+      <p:sp>
+        <p:nvSpPr>
+          <p:cNvPr id="4" name="Textfeld 3">
+            <a:extLst>
+              <a:ext uri="{FF2B5EF4-FFF2-40B4-BE49-F238E27FC236}">
+                <a16:creationId xmlns:a16="http://schemas.microsoft.com/office/drawing/2014/main" id="{4B1DF510-DFB0-DD6A-CB02-585E4047BDC8}"/>
+              </a:ext>
+            </a:extLst>
+          </p:cNvPr>
+          <p:cNvSpPr txBox="1"/>
+          <p:nvPr/>
+        </p:nvSpPr>
+        <p:spPr>
+          <a:xfrm>
+            <a:off x="968829" y="1905000"/>
+            <a:ext cx="10798628" cy="3416320"/>
+          </a:xfrm>
+          <a:prstGeom prst="rect">
+            <a:avLst/>
+          </a:prstGeom>
+          <a:noFill/>
+        </p:spPr>
+        <p:txBody>
+          <a:bodyPr wrap="square" rtlCol="0">
+            <a:spAutoFit/>
+          </a:bodyPr>
+          <a:lstStyle/>
+          <a:p>
+            <a:pPr marL="285750" indent="-285750">
+              <a:buFont typeface="Arial" panose="020B0604020202020204" pitchFamily="34" charset="0"/>
+              <a:buChar char="•"/>
+            </a:pPr>
+            <a:r>
+              <a:rPr lang="de-DE" b="1" dirty="0"/>
+              <a:t>Experimentelles Design:</a:t>
+            </a:r>
+          </a:p>
+          <a:p>
+            <a:pPr marL="742950" lvl="1" indent="-285750">
+              <a:buFont typeface="Arial" panose="020B0604020202020204" pitchFamily="34" charset="0"/>
+              <a:buChar char="•"/>
+            </a:pPr>
+            <a:r>
+              <a:rPr lang="de-DE" dirty="0"/>
+              <a:t>Testdaten von 2 Personen (4 Blöcke á 50 Trials), dadurch Fragen</a:t>
+            </a:r>
+          </a:p>
+          <a:p>
+            <a:pPr marL="742950" lvl="1" indent="-285750">
+              <a:buFont typeface="Arial" panose="020B0604020202020204" pitchFamily="34" charset="0"/>
+              <a:buChar char="•"/>
+            </a:pPr>
+            <a:r>
+              <a:rPr lang="de-DE" u="sng" dirty="0"/>
+              <a:t>Randomisierung: </a:t>
+            </a:r>
+            <a:r>
+              <a:rPr lang="de-DE" dirty="0"/>
+              <a:t>Aktuell alle Kombinationen möglich, Lernen schien erschwert (trotz Hinweis in den Instruktionen) -&gt; einzige Randomisierung welche Variation zuerst, diese wiederum kontinuierlich (1,1,2,2 vs. 2,2,1,1)?</a:t>
+            </a:r>
+          </a:p>
+          <a:p>
+            <a:pPr marL="742950" lvl="1" indent="-285750">
+              <a:buFont typeface="Arial" panose="020B0604020202020204" pitchFamily="34" charset="0"/>
+              <a:buChar char="•"/>
+            </a:pPr>
+            <a:r>
+              <a:rPr lang="de-DE" u="sng" dirty="0"/>
+              <a:t>Alternativ: Mehr Trials pro Block?</a:t>
+            </a:r>
+          </a:p>
+          <a:p>
+            <a:pPr marL="742950" lvl="1" indent="-285750">
+              <a:buFont typeface="Arial" panose="020B0604020202020204" pitchFamily="34" charset="0"/>
+              <a:buChar char="•"/>
+            </a:pPr>
+            <a:r>
+              <a:rPr lang="de-DE" dirty="0"/>
+              <a:t>Feedback der Testpersonen/Beobachtungen: </a:t>
+            </a:r>
+          </a:p>
+          <a:p>
+            <a:pPr marL="742950" lvl="1" indent="-285750">
+              <a:buFont typeface="Arial" panose="020B0604020202020204" pitchFamily="34" charset="0"/>
+              <a:buChar char="•"/>
+            </a:pPr>
+            <a:r>
+              <a:rPr lang="de-DE" dirty="0"/>
+              <a:t>Testperson 1 erklärte auf Rückfrage, dass sie nach dem Hinweis mit der Seite versuchte das Verhältnis/Prinzip zu erkennen, es aber nicht erkannte</a:t>
+            </a:r>
+          </a:p>
+          <a:p>
+            <a:pPr marL="742950" lvl="1" indent="-285750">
+              <a:buFont typeface="Arial" panose="020B0604020202020204" pitchFamily="34" charset="0"/>
+              <a:buChar char="•"/>
+            </a:pPr>
+            <a:r>
+              <a:rPr lang="de-DE" dirty="0"/>
+              <a:t>Bei Testperson 2 hörte ich bei einem Block die Bemerkung „Es scheint wohl häufiger D zu sein“</a:t>
+            </a:r>
+          </a:p>
+          <a:p>
+            <a:pPr marL="742950" lvl="1" indent="-285750">
+              <a:buFont typeface="Arial" panose="020B0604020202020204" pitchFamily="34" charset="0"/>
+              <a:buChar char="•"/>
+            </a:pPr>
+            <a:r>
+              <a:rPr lang="de-DE" dirty="0"/>
+              <a:t>Beide haben von sich geäußert, dass es schon ziemlich an die Frustrationstoleranz geht </a:t>
+            </a:r>
+          </a:p>
+          <a:p>
+            <a:pPr marL="742950" lvl="1" indent="-285750">
+              <a:buFont typeface="Arial" panose="020B0604020202020204" pitchFamily="34" charset="0"/>
+              <a:buChar char="•"/>
+            </a:pPr>
+            <a:endParaRPr lang="de-DE" dirty="0"/>
+          </a:p>
+        </p:txBody>
+      </p:sp>
+    </p:spTree>
+    <p:extLst>
+      <p:ext uri="{BB962C8B-B14F-4D97-AF65-F5344CB8AC3E}">
+        <p14:creationId xmlns:p14="http://schemas.microsoft.com/office/powerpoint/2010/main" val="743896651"/>
+      </p:ext>
+    </p:extLst>
+  </p:cSld>
+  <p:clrMapOvr>
+    <a:masterClrMapping/>
+  </p:clrMapOvr>
+</p:sld>
+</file>
+
+<file path=ppt/slides/slide11.xml><?xml version="1.0" encoding="utf-8"?>
+<p:sld xmlns:a="http://schemas.openxmlformats.org/drawingml/2006/main" xmlns:r="http://schemas.openxmlformats.org/officeDocument/2006/relationships" xmlns:p="http://schemas.openxmlformats.org/presentationml/2006/main">
+  <p:cSld>
+    <p:spTree>
+      <p:nvGrpSpPr>
+        <p:cNvPr id="1" name="">
+          <a:extLst>
+            <a:ext uri="{FF2B5EF4-FFF2-40B4-BE49-F238E27FC236}">
+              <a16:creationId xmlns:a16="http://schemas.microsoft.com/office/drawing/2014/main" id="{3D4FF45D-D5C7-4BBF-5BEE-12A76F39397D}"/>
+            </a:ext>
+          </a:extLst>
+        </p:cNvPr>
+        <p:cNvGrpSpPr/>
+        <p:nvPr/>
+      </p:nvGrpSpPr>
+      <p:grpSpPr>
+        <a:xfrm>
+          <a:off x="0" y="0"/>
+          <a:ext cx="0" cy="0"/>
+          <a:chOff x="0" y="0"/>
+          <a:chExt cx="0" cy="0"/>
+        </a:xfrm>
+      </p:grpSpPr>
+      <p:sp>
+        <p:nvSpPr>
+          <p:cNvPr id="2" name="Titel 1">
+            <a:extLst>
+              <a:ext uri="{FF2B5EF4-FFF2-40B4-BE49-F238E27FC236}">
+                <a16:creationId xmlns:a16="http://schemas.microsoft.com/office/drawing/2014/main" id="{84918860-5C58-C546-3509-DD5175F4A88E}"/>
+              </a:ext>
+            </a:extLst>
+          </p:cNvPr>
+          <p:cNvSpPr>
+            <a:spLocks noGrp="1"/>
+          </p:cNvSpPr>
+          <p:nvPr>
+            <p:ph type="title"/>
+          </p:nvPr>
+        </p:nvSpPr>
+        <p:spPr/>
+        <p:txBody>
+          <a:bodyPr>
+            <a:normAutofit/>
+          </a:bodyPr>
+          <a:lstStyle/>
+          <a:p>
+            <a:r>
+              <a:rPr lang="de-DE" sz="2800" dirty="0"/>
+              <a:t>Aktueller Stand : Deskriptiv-/Statistische Maße, Daten</a:t>
+            </a:r>
+          </a:p>
+        </p:txBody>
+      </p:sp>
+      <p:sp>
+        <p:nvSpPr>
+          <p:cNvPr id="4" name="Textfeld 3">
+            <a:extLst>
+              <a:ext uri="{FF2B5EF4-FFF2-40B4-BE49-F238E27FC236}">
+                <a16:creationId xmlns:a16="http://schemas.microsoft.com/office/drawing/2014/main" id="{254FC796-5063-2D9D-8B38-AB6484802C7E}"/>
+              </a:ext>
+            </a:extLst>
+          </p:cNvPr>
+          <p:cNvSpPr txBox="1"/>
+          <p:nvPr/>
+        </p:nvSpPr>
+        <p:spPr>
+          <a:xfrm>
+            <a:off x="838200" y="1364117"/>
+            <a:ext cx="10798628" cy="5355312"/>
+          </a:xfrm>
+          <a:prstGeom prst="rect">
+            <a:avLst/>
+          </a:prstGeom>
+          <a:noFill/>
+        </p:spPr>
+        <p:txBody>
+          <a:bodyPr wrap="square" rtlCol="0">
+            <a:spAutoFit/>
+          </a:bodyPr>
+          <a:lstStyle/>
+          <a:p>
+            <a:pPr marL="285750" indent="-285750">
+              <a:buFont typeface="Arial" panose="020B0604020202020204" pitchFamily="34" charset="0"/>
+              <a:buChar char="•"/>
+            </a:pPr>
+            <a:r>
+              <a:rPr lang="de-DE" b="1" dirty="0"/>
+              <a:t>Durch R-</a:t>
+            </a:r>
+            <a:r>
+              <a:rPr lang="de-DE" b="1" dirty="0" err="1"/>
+              <a:t>Script</a:t>
+            </a:r>
+            <a:r>
+              <a:rPr lang="de-DE" b="1" dirty="0"/>
+              <a:t> schon gemacht/möglich:</a:t>
+            </a:r>
+          </a:p>
+          <a:p>
+            <a:pPr marL="742950" lvl="1" indent="-285750">
+              <a:buFont typeface="Arial" panose="020B0604020202020204" pitchFamily="34" charset="0"/>
+              <a:buChar char="•"/>
+            </a:pPr>
+            <a:r>
+              <a:rPr lang="de-DE" dirty="0"/>
+              <a:t>Reaktionszeit -&gt;Experiment sollte am selben Gerät/identischen Geräten durchgeführt werden. Aber:</a:t>
+            </a:r>
+          </a:p>
+          <a:p>
+            <a:pPr marL="1200150" lvl="2" indent="-285750">
+              <a:buFont typeface="Arial" panose="020B0604020202020204" pitchFamily="34" charset="0"/>
+              <a:buChar char="•"/>
+            </a:pPr>
+            <a:r>
+              <a:rPr lang="de-DE" dirty="0"/>
+              <a:t>Zeiten anhand von Tics berechnet und abhängig von Verarbeitungsgeschwindigkeit? nicht sichergestellt, dass akkurat, aber Tendenzen können festgehalten werden -&gt; Aufgabe: Denselben Spieldatensatz mit und ohne angezeigtes Display abspielen lassen </a:t>
+            </a:r>
+          </a:p>
+          <a:p>
+            <a:pPr marL="742950" lvl="1" indent="-285750">
+              <a:buFont typeface="Arial" panose="020B0604020202020204" pitchFamily="34" charset="0"/>
+              <a:buChar char="•"/>
+            </a:pPr>
+            <a:r>
+              <a:rPr lang="de-DE" dirty="0"/>
+              <a:t>Anteil der Optimalen Entscheidungen pro Block</a:t>
+            </a:r>
+          </a:p>
+          <a:p>
+            <a:pPr marL="742950" lvl="1" indent="-285750">
+              <a:buFont typeface="Arial" panose="020B0604020202020204" pitchFamily="34" charset="0"/>
+              <a:buChar char="•"/>
+            </a:pPr>
+            <a:r>
+              <a:rPr lang="de-DE" dirty="0"/>
+              <a:t>Anteil der korrekten Entscheidungen pro Block</a:t>
+            </a:r>
+          </a:p>
+          <a:p>
+            <a:pPr marL="742950" lvl="1" indent="-285750">
+              <a:buFont typeface="Arial" panose="020B0604020202020204" pitchFamily="34" charset="0"/>
+              <a:buChar char="•"/>
+            </a:pPr>
+            <a:r>
+              <a:rPr lang="de-DE" dirty="0"/>
+              <a:t> Darstellungen bisher: RT (Einzelpunkte über die Blöcke und Mittelwertlinie), Anteil optimaler Entscheidungen (Einzelpunkte über Blöcke und Mittelwertlinie)</a:t>
+            </a:r>
+          </a:p>
+          <a:p>
+            <a:pPr marL="742950" lvl="1" indent="-285750">
+              <a:buFont typeface="Arial" panose="020B0604020202020204" pitchFamily="34" charset="0"/>
+              <a:buChar char="•"/>
+            </a:pPr>
+            <a:endParaRPr lang="de-DE" dirty="0"/>
+          </a:p>
+          <a:p>
+            <a:pPr marL="285750" indent="-285750">
+              <a:buFont typeface="Arial" panose="020B0604020202020204" pitchFamily="34" charset="0"/>
+              <a:buChar char="•"/>
+            </a:pPr>
+            <a:r>
+              <a:rPr lang="de-DE" b="1" dirty="0"/>
+              <a:t>Überlegung zu weiteren Maßen und deren Darstellung:</a:t>
+            </a:r>
+          </a:p>
+          <a:p>
+            <a:pPr marL="742950" lvl="1" indent="-285750">
+              <a:buFont typeface="Arial" panose="020B0604020202020204" pitchFamily="34" charset="0"/>
+              <a:buChar char="•"/>
+            </a:pPr>
+            <a:r>
+              <a:rPr lang="de-DE" dirty="0"/>
+              <a:t>Kumulative Darstellung der optimalen Entscheidungen pro Block? (anhand der Steigung einen Lerneffekt feststellen und den Block nochmal gesondert ab diesem Zeitpunkt betrachten?)</a:t>
+            </a:r>
+          </a:p>
+          <a:p>
+            <a:pPr marL="742950" lvl="1" indent="-285750">
+              <a:buFont typeface="Arial" panose="020B0604020202020204" pitchFamily="34" charset="0"/>
+              <a:buChar char="•"/>
+            </a:pPr>
+            <a:r>
+              <a:rPr lang="de-DE" dirty="0"/>
+              <a:t>Auswertungen der Spieldaten zeigen, dass es auch bei 50 Trials pro Block nicht immer genau 0.8/0.2 ist, es bewegt sich zwischen 07./0.3 – 0.9/0.1 -&gt; Betrachtung des Anteils der optimalen Entscheidung in Bezug zur tatsächlichen Wahrscheinlichkeit?  </a:t>
+            </a:r>
+            <a:r>
+              <a:rPr lang="de-DE" dirty="0" err="1"/>
+              <a:t>Bsp</a:t>
+            </a:r>
+            <a:r>
+              <a:rPr lang="de-DE" dirty="0"/>
+              <a:t>: Bei Testperson 2 war in Block 3 in 91% statt 80% A die korrekte Taste, gewählt wurde sie in 93%. -&gt; Aber wie darstellen?</a:t>
+            </a:r>
+          </a:p>
+          <a:p>
+            <a:pPr marL="742950" lvl="1" indent="-285750">
+              <a:buFont typeface="Arial" panose="020B0604020202020204" pitchFamily="34" charset="0"/>
+              <a:buChar char="•"/>
+            </a:pPr>
+            <a:endParaRPr lang="de-DE" dirty="0"/>
+          </a:p>
+          <a:p>
+            <a:pPr marL="742950" lvl="1" indent="-285750">
+              <a:buFont typeface="Arial" panose="020B0604020202020204" pitchFamily="34" charset="0"/>
+              <a:buChar char="•"/>
+            </a:pPr>
+            <a:endParaRPr lang="de-DE" dirty="0"/>
+          </a:p>
+        </p:txBody>
+      </p:sp>
+    </p:spTree>
+    <p:extLst>
+      <p:ext uri="{BB962C8B-B14F-4D97-AF65-F5344CB8AC3E}">
+        <p14:creationId xmlns:p14="http://schemas.microsoft.com/office/powerpoint/2010/main" val="2785983101"/>
+      </p:ext>
+    </p:extLst>
+  </p:cSld>
+  <p:clrMapOvr>
+    <a:masterClrMapping/>
+  </p:clrMapOvr>
+</p:sld>
+</file>
+
+<file path=ppt/slides/slide12.xml><?xml version="1.0" encoding="utf-8"?>
+<p:sld xmlns:a="http://schemas.openxmlformats.org/drawingml/2006/main" xmlns:r="http://schemas.openxmlformats.org/officeDocument/2006/relationships" xmlns:p="http://schemas.openxmlformats.org/presentationml/2006/main">
+  <p:cSld>
+    <p:spTree>
+      <p:nvGrpSpPr>
+        <p:cNvPr id="1" name="">
+          <a:extLst>
+            <a:ext uri="{FF2B5EF4-FFF2-40B4-BE49-F238E27FC236}">
+              <a16:creationId xmlns:a16="http://schemas.microsoft.com/office/drawing/2014/main" id="{4B00C389-6BDE-F86F-F37B-43F335182B5F}"/>
+            </a:ext>
+          </a:extLst>
+        </p:cNvPr>
+        <p:cNvGrpSpPr/>
+        <p:nvPr/>
+      </p:nvGrpSpPr>
+      <p:grpSpPr>
+        <a:xfrm>
+          <a:off x="0" y="0"/>
+          <a:ext cx="0" cy="0"/>
+          <a:chOff x="0" y="0"/>
+          <a:chExt cx="0" cy="0"/>
+        </a:xfrm>
+      </p:grpSpPr>
+      <p:sp>
+        <p:nvSpPr>
+          <p:cNvPr id="2" name="Titel 1">
+            <a:extLst>
+              <a:ext uri="{FF2B5EF4-FFF2-40B4-BE49-F238E27FC236}">
+                <a16:creationId xmlns:a16="http://schemas.microsoft.com/office/drawing/2014/main" id="{A196FAF7-A2FC-A2D7-46FE-EE402A88B040}"/>
+              </a:ext>
+            </a:extLst>
+          </p:cNvPr>
+          <p:cNvSpPr>
+            <a:spLocks noGrp="1"/>
+          </p:cNvSpPr>
+          <p:nvPr>
+            <p:ph type="title"/>
+          </p:nvPr>
+        </p:nvSpPr>
+        <p:spPr/>
+        <p:txBody>
+          <a:bodyPr>
+            <a:normAutofit/>
+          </a:bodyPr>
+          <a:lstStyle/>
+          <a:p>
+            <a:r>
+              <a:rPr lang="de-DE" sz="2800" dirty="0"/>
+              <a:t>Sonstiges</a:t>
+            </a:r>
+          </a:p>
+        </p:txBody>
+      </p:sp>
+      <p:sp>
+        <p:nvSpPr>
+          <p:cNvPr id="4" name="Textfeld 3">
+            <a:extLst>
+              <a:ext uri="{FF2B5EF4-FFF2-40B4-BE49-F238E27FC236}">
+                <a16:creationId xmlns:a16="http://schemas.microsoft.com/office/drawing/2014/main" id="{33EAB289-F895-98B4-BEAC-5D7892D7779B}"/>
+              </a:ext>
+            </a:extLst>
+          </p:cNvPr>
+          <p:cNvSpPr txBox="1"/>
+          <p:nvPr/>
+        </p:nvSpPr>
+        <p:spPr>
+          <a:xfrm>
+            <a:off x="838200" y="1364117"/>
+            <a:ext cx="10798628" cy="1200329"/>
+          </a:xfrm>
+          <a:prstGeom prst="rect">
+            <a:avLst/>
+          </a:prstGeom>
+          <a:noFill/>
+        </p:spPr>
+        <p:txBody>
+          <a:bodyPr wrap="square" rtlCol="0">
+            <a:spAutoFit/>
+          </a:bodyPr>
+          <a:lstStyle/>
+          <a:p>
+            <a:pPr marL="285750" indent="-285750">
+              <a:buFont typeface="Arial" panose="020B0604020202020204" pitchFamily="34" charset="0"/>
+              <a:buChar char="•"/>
+            </a:pPr>
+            <a:r>
+              <a:rPr lang="de-DE" dirty="0"/>
+              <a:t>R-</a:t>
+            </a:r>
+            <a:r>
+              <a:rPr lang="de-DE" dirty="0" err="1"/>
+              <a:t>Script</a:t>
+            </a:r>
+            <a:r>
+              <a:rPr lang="de-DE" dirty="0"/>
+              <a:t> überarbeiten: Sonderfall Ziel erscheint in der ersten Episode eines Blocks nicht -&gt; Spalten die mit „X1“ beginnen, existieren erst später -&gt; R-</a:t>
+            </a:r>
+            <a:r>
+              <a:rPr lang="de-DE" dirty="0" err="1"/>
+              <a:t>Script</a:t>
+            </a:r>
+            <a:r>
+              <a:rPr lang="de-DE" dirty="0"/>
+              <a:t> stoppt</a:t>
+            </a:r>
+          </a:p>
+          <a:p>
+            <a:pPr marL="285750" indent="-285750">
+              <a:buFont typeface="Arial" panose="020B0604020202020204" pitchFamily="34" charset="0"/>
+              <a:buChar char="•"/>
+            </a:pPr>
+            <a:r>
+              <a:rPr lang="de-DE" dirty="0"/>
+              <a:t>R-</a:t>
+            </a:r>
+            <a:r>
+              <a:rPr lang="de-DE" dirty="0" err="1"/>
+              <a:t>Script</a:t>
+            </a:r>
+            <a:r>
+              <a:rPr lang="de-DE" dirty="0"/>
+              <a:t> allgemein gründlich durchgehen ob alles richtig verarbeitet wird</a:t>
+            </a:r>
+          </a:p>
+          <a:p>
+            <a:pPr marL="742950" lvl="1" indent="-285750">
+              <a:buFont typeface="Arial" panose="020B0604020202020204" pitchFamily="34" charset="0"/>
+              <a:buChar char="•"/>
+            </a:pPr>
+            <a:endParaRPr lang="de-DE" dirty="0"/>
+          </a:p>
+        </p:txBody>
+      </p:sp>
+    </p:spTree>
+    <p:extLst>
+      <p:ext uri="{BB962C8B-B14F-4D97-AF65-F5344CB8AC3E}">
+        <p14:creationId xmlns:p14="http://schemas.microsoft.com/office/powerpoint/2010/main" val="4229697826"/>
+      </p:ext>
+    </p:extLst>
+  </p:cSld>
+  <p:clrMapOvr>
+    <a:masterClrMapping/>
+  </p:clrMapOvr>
+</p:sld>
+</file>
+
 <file path=ppt/slides/slide2.xml><?xml version="1.0" encoding="utf-8"?>
 <p:sld xmlns:a="http://schemas.openxmlformats.org/drawingml/2006/main" xmlns:r="http://schemas.openxmlformats.org/officeDocument/2006/relationships" xmlns:p="http://schemas.openxmlformats.org/presentationml/2006/main">
   <p:cSld>
@@ -4995,8 +5554,8 @@
           </a:p>
         </p:txBody>
       </p:sp>
-      <mc:AlternateContent xmlns:mc="http://schemas.openxmlformats.org/markup-compatibility/2006">
-        <mc:Choice xmlns:a14="http://schemas.microsoft.com/office/drawing/2010/main" Requires="a14">
+      <mc:AlternateContent xmlns:mc="http://schemas.openxmlformats.org/markup-compatibility/2006" xmlns:a14="http://schemas.microsoft.com/office/drawing/2010/main">
+        <mc:Choice Requires="a14">
           <p:sp>
             <p:nvSpPr>
               <p:cNvPr id="3" name="Textfeld 2">
@@ -5635,6 +6194,7 @@
                 <a:endParaRPr lang="de-DE" dirty="0"/>
               </a:p>
               <a:p>
+                <a:pPr/>
                 <a14:m>
                   <m:oMathPara xmlns:m="http://schemas.openxmlformats.org/officeDocument/2006/math">
                     <m:oMathParaPr>
@@ -5834,6 +6394,7 @@
                 <a:endParaRPr lang="de-DE" b="0" dirty="0"/>
               </a:p>
               <a:p>
+                <a:pPr/>
                 <a14:m>
                   <m:oMathPara xmlns:m="http://schemas.openxmlformats.org/officeDocument/2006/math">
                     <m:oMathParaPr>
@@ -6041,7 +6602,7 @@
             </p:txBody>
           </p:sp>
         </mc:Choice>
-        <mc:Fallback>
+        <mc:Fallback xmlns="">
           <p:sp>
             <p:nvSpPr>
               <p:cNvPr id="3" name="Textfeld 2">
@@ -7130,6 +7691,397 @@
     <p:extLst>
       <p:ext uri="{BB962C8B-B14F-4D97-AF65-F5344CB8AC3E}">
         <p14:creationId xmlns:p14="http://schemas.microsoft.com/office/powerpoint/2010/main" val="1672370368"/>
+      </p:ext>
+    </p:extLst>
+  </p:cSld>
+  <p:clrMapOvr>
+    <a:masterClrMapping/>
+  </p:clrMapOvr>
+</p:sld>
+</file>
+
+<file path=ppt/slides/slide8.xml><?xml version="1.0" encoding="utf-8"?>
+<p:sld xmlns:a="http://schemas.openxmlformats.org/drawingml/2006/main" xmlns:r="http://schemas.openxmlformats.org/officeDocument/2006/relationships" xmlns:p="http://schemas.openxmlformats.org/presentationml/2006/main">
+  <p:cSld>
+    <p:spTree>
+      <p:nvGrpSpPr>
+        <p:cNvPr id="1" name="">
+          <a:extLst>
+            <a:ext uri="{FF2B5EF4-FFF2-40B4-BE49-F238E27FC236}">
+              <a16:creationId xmlns:a16="http://schemas.microsoft.com/office/drawing/2014/main" id="{AA26D090-1ACA-4D04-330F-40903E2DC762}"/>
+            </a:ext>
+          </a:extLst>
+        </p:cNvPr>
+        <p:cNvGrpSpPr/>
+        <p:nvPr/>
+      </p:nvGrpSpPr>
+      <p:grpSpPr>
+        <a:xfrm>
+          <a:off x="0" y="0"/>
+          <a:ext cx="0" cy="0"/>
+          <a:chOff x="0" y="0"/>
+          <a:chExt cx="0" cy="0"/>
+        </a:xfrm>
+      </p:grpSpPr>
+      <p:sp>
+        <p:nvSpPr>
+          <p:cNvPr id="2" name="Titel 1">
+            <a:extLst>
+              <a:ext uri="{FF2B5EF4-FFF2-40B4-BE49-F238E27FC236}">
+                <a16:creationId xmlns:a16="http://schemas.microsoft.com/office/drawing/2014/main" id="{1BB3DBE5-6184-76A1-1526-4E92CDBAA00D}"/>
+              </a:ext>
+            </a:extLst>
+          </p:cNvPr>
+          <p:cNvSpPr>
+            <a:spLocks noGrp="1"/>
+          </p:cNvSpPr>
+          <p:nvPr>
+            <p:ph type="title"/>
+          </p:nvPr>
+        </p:nvSpPr>
+        <p:spPr/>
+        <p:txBody>
+          <a:bodyPr>
+            <a:normAutofit/>
+          </a:bodyPr>
+          <a:lstStyle/>
+          <a:p>
+            <a:r>
+              <a:rPr lang="de-DE" sz="2800" dirty="0"/>
+              <a:t>Aktueller Stand</a:t>
+            </a:r>
+          </a:p>
+        </p:txBody>
+      </p:sp>
+      <p:sp>
+        <p:nvSpPr>
+          <p:cNvPr id="3" name="Textfeld 2">
+            <a:extLst>
+              <a:ext uri="{FF2B5EF4-FFF2-40B4-BE49-F238E27FC236}">
+                <a16:creationId xmlns:a16="http://schemas.microsoft.com/office/drawing/2014/main" id="{ACD8B092-31E9-B64F-3B3D-FC4EAD10B11D}"/>
+              </a:ext>
+            </a:extLst>
+          </p:cNvPr>
+          <p:cNvSpPr txBox="1"/>
+          <p:nvPr/>
+        </p:nvSpPr>
+        <p:spPr>
+          <a:xfrm>
+            <a:off x="838200" y="1563624"/>
+            <a:ext cx="10756392" cy="1815882"/>
+          </a:xfrm>
+          <a:prstGeom prst="rect">
+            <a:avLst/>
+          </a:prstGeom>
+          <a:noFill/>
+        </p:spPr>
+        <p:txBody>
+          <a:bodyPr wrap="square" rtlCol="0">
+            <a:spAutoFit/>
+          </a:bodyPr>
+          <a:lstStyle/>
+          <a:p>
+            <a:pPr marL="285750" indent="-285750">
+              <a:buFont typeface="Arial" panose="020B0604020202020204" pitchFamily="34" charset="0"/>
+              <a:buChar char="•"/>
+            </a:pPr>
+            <a:r>
+              <a:rPr lang="en-US" sz="2800" dirty="0" err="1"/>
+              <a:t>Technische</a:t>
+            </a:r>
+            <a:r>
+              <a:rPr lang="en-US" sz="2800" dirty="0"/>
+              <a:t> </a:t>
+            </a:r>
+            <a:r>
+              <a:rPr lang="en-US" sz="2800" dirty="0" err="1"/>
+              <a:t>Rahmenbedingungen</a:t>
+            </a:r>
+            <a:r>
+              <a:rPr lang="en-US" sz="2800" dirty="0"/>
+              <a:t>, </a:t>
+            </a:r>
+            <a:r>
+              <a:rPr lang="en-US" sz="2800" dirty="0" err="1"/>
+              <a:t>allgemeines</a:t>
+            </a:r>
+            <a:r>
+              <a:rPr lang="en-US" sz="2800" dirty="0"/>
+              <a:t> </a:t>
+            </a:r>
+            <a:r>
+              <a:rPr lang="en-US" sz="2800" dirty="0" err="1"/>
+              <a:t>zum</a:t>
+            </a:r>
+            <a:r>
+              <a:rPr lang="en-US" sz="2800" dirty="0"/>
+              <a:t> Experiment</a:t>
+            </a:r>
+          </a:p>
+          <a:p>
+            <a:pPr marL="285750" indent="-285750">
+              <a:buFont typeface="Arial" panose="020B0604020202020204" pitchFamily="34" charset="0"/>
+              <a:buChar char="•"/>
+            </a:pPr>
+            <a:r>
+              <a:rPr lang="en-US" sz="2800" dirty="0" err="1"/>
+              <a:t>Experimentelles</a:t>
+            </a:r>
+            <a:r>
+              <a:rPr lang="en-US" sz="2800" dirty="0"/>
+              <a:t> Design, Feedback </a:t>
+            </a:r>
+            <a:r>
+              <a:rPr lang="en-US" sz="2800" dirty="0" err="1"/>
+              <a:t>Testpersonen</a:t>
+            </a:r>
+            <a:endParaRPr lang="en-US" sz="2800" dirty="0"/>
+          </a:p>
+          <a:p>
+            <a:pPr marL="285750" indent="-285750">
+              <a:buFont typeface="Arial" panose="020B0604020202020204" pitchFamily="34" charset="0"/>
+              <a:buChar char="•"/>
+            </a:pPr>
+            <a:r>
+              <a:rPr lang="en-US" sz="2800" dirty="0" err="1"/>
+              <a:t>Deskriptiv</a:t>
+            </a:r>
+            <a:r>
+              <a:rPr lang="en-US" sz="2800" dirty="0"/>
+              <a:t>-/</a:t>
+            </a:r>
+            <a:r>
+              <a:rPr lang="en-US" sz="2800" dirty="0" err="1"/>
+              <a:t>Statistische</a:t>
+            </a:r>
+            <a:r>
+              <a:rPr lang="en-US" sz="2800" dirty="0"/>
+              <a:t> </a:t>
+            </a:r>
+            <a:r>
+              <a:rPr lang="en-US" sz="2800" dirty="0" err="1"/>
+              <a:t>Maße</a:t>
+            </a:r>
+            <a:endParaRPr lang="en-US" sz="2800" dirty="0"/>
+          </a:p>
+          <a:p>
+            <a:pPr marL="285750" indent="-285750">
+              <a:buFont typeface="Arial" panose="020B0604020202020204" pitchFamily="34" charset="0"/>
+              <a:buChar char="•"/>
+            </a:pPr>
+            <a:r>
+              <a:rPr lang="en-US" sz="2800" dirty="0" err="1"/>
+              <a:t>Sonstiges</a:t>
+            </a:r>
+            <a:endParaRPr lang="de-DE" sz="2800" dirty="0"/>
+          </a:p>
+        </p:txBody>
+      </p:sp>
+    </p:spTree>
+    <p:extLst>
+      <p:ext uri="{BB962C8B-B14F-4D97-AF65-F5344CB8AC3E}">
+        <p14:creationId xmlns:p14="http://schemas.microsoft.com/office/powerpoint/2010/main" val="568556633"/>
+      </p:ext>
+    </p:extLst>
+  </p:cSld>
+  <p:clrMapOvr>
+    <a:masterClrMapping/>
+  </p:clrMapOvr>
+</p:sld>
+</file>
+
+<file path=ppt/slides/slide9.xml><?xml version="1.0" encoding="utf-8"?>
+<p:sld xmlns:a="http://schemas.openxmlformats.org/drawingml/2006/main" xmlns:r="http://schemas.openxmlformats.org/officeDocument/2006/relationships" xmlns:p="http://schemas.openxmlformats.org/presentationml/2006/main">
+  <p:cSld>
+    <p:spTree>
+      <p:nvGrpSpPr>
+        <p:cNvPr id="1" name="">
+          <a:extLst>
+            <a:ext uri="{FF2B5EF4-FFF2-40B4-BE49-F238E27FC236}">
+              <a16:creationId xmlns:a16="http://schemas.microsoft.com/office/drawing/2014/main" id="{29760FB8-67C1-397E-CA45-3C80D1F9FFD7}"/>
+            </a:ext>
+          </a:extLst>
+        </p:cNvPr>
+        <p:cNvGrpSpPr/>
+        <p:nvPr/>
+      </p:nvGrpSpPr>
+      <p:grpSpPr>
+        <a:xfrm>
+          <a:off x="0" y="0"/>
+          <a:ext cx="0" cy="0"/>
+          <a:chOff x="0" y="0"/>
+          <a:chExt cx="0" cy="0"/>
+        </a:xfrm>
+      </p:grpSpPr>
+      <p:sp>
+        <p:nvSpPr>
+          <p:cNvPr id="2" name="Titel 1">
+            <a:extLst>
+              <a:ext uri="{FF2B5EF4-FFF2-40B4-BE49-F238E27FC236}">
+                <a16:creationId xmlns:a16="http://schemas.microsoft.com/office/drawing/2014/main" id="{F28A6E82-3B8A-9A8F-9656-69C127CC8A76}"/>
+              </a:ext>
+            </a:extLst>
+          </p:cNvPr>
+          <p:cNvSpPr>
+            <a:spLocks noGrp="1"/>
+          </p:cNvSpPr>
+          <p:nvPr>
+            <p:ph type="title"/>
+          </p:nvPr>
+        </p:nvSpPr>
+        <p:spPr/>
+        <p:txBody>
+          <a:bodyPr>
+            <a:normAutofit/>
+          </a:bodyPr>
+          <a:lstStyle/>
+          <a:p>
+            <a:r>
+              <a:rPr lang="de-DE" sz="2800" dirty="0"/>
+              <a:t>Aktueller Stand :  technische Rahmenbedingung, allgemeines</a:t>
+            </a:r>
+          </a:p>
+        </p:txBody>
+      </p:sp>
+      <p:sp>
+        <p:nvSpPr>
+          <p:cNvPr id="4" name="Textfeld 3">
+            <a:extLst>
+              <a:ext uri="{FF2B5EF4-FFF2-40B4-BE49-F238E27FC236}">
+                <a16:creationId xmlns:a16="http://schemas.microsoft.com/office/drawing/2014/main" id="{B6D4842B-31D3-9F38-D7D0-086B9A4B71EB}"/>
+              </a:ext>
+            </a:extLst>
+          </p:cNvPr>
+          <p:cNvSpPr txBox="1"/>
+          <p:nvPr/>
+        </p:nvSpPr>
+        <p:spPr>
+          <a:xfrm>
+            <a:off x="968829" y="1905000"/>
+            <a:ext cx="10798628" cy="3170099"/>
+          </a:xfrm>
+          <a:prstGeom prst="rect">
+            <a:avLst/>
+          </a:prstGeom>
+          <a:noFill/>
+        </p:spPr>
+        <p:txBody>
+          <a:bodyPr wrap="square" rtlCol="0">
+            <a:spAutoFit/>
+          </a:bodyPr>
+          <a:lstStyle/>
+          <a:p>
+            <a:pPr marL="285750" indent="-285750">
+              <a:buFont typeface="Arial" panose="020B0604020202020204" pitchFamily="34" charset="0"/>
+              <a:buChar char="•"/>
+            </a:pPr>
+            <a:r>
+              <a:rPr lang="de-DE" sz="2000" b="1" dirty="0" err="1"/>
+              <a:t>Installationsguide</a:t>
+            </a:r>
+            <a:r>
+              <a:rPr lang="de-DE" sz="2000" b="1" dirty="0"/>
+              <a:t>: </a:t>
+            </a:r>
+          </a:p>
+          <a:p>
+            <a:pPr marL="742950" lvl="1" indent="-285750">
+              <a:buFont typeface="Arial" panose="020B0604020202020204" pitchFamily="34" charset="0"/>
+              <a:buChar char="•"/>
+            </a:pPr>
+            <a:r>
+              <a:rPr lang="de-DE" sz="2000" dirty="0"/>
+              <a:t>Steht so weit (Thema Organisation von Projekten und virtuellen Umgebungen)</a:t>
+            </a:r>
+          </a:p>
+          <a:p>
+            <a:pPr marL="742950" lvl="1" indent="-285750">
+              <a:buFont typeface="Arial" panose="020B0604020202020204" pitchFamily="34" charset="0"/>
+              <a:buChar char="•"/>
+            </a:pPr>
+            <a:r>
+              <a:rPr lang="de-DE" sz="2000" dirty="0"/>
+              <a:t>Bei mir habe ich den </a:t>
+            </a:r>
+            <a:r>
+              <a:rPr lang="de-DE" sz="2000" dirty="0" err="1"/>
+              <a:t>Anaconda</a:t>
+            </a:r>
+            <a:r>
+              <a:rPr lang="de-DE" sz="2000" dirty="0"/>
+              <a:t>-Pfad als </a:t>
+            </a:r>
+            <a:r>
+              <a:rPr lang="de-DE" sz="2000" dirty="0" err="1"/>
+              <a:t>default</a:t>
+            </a:r>
+            <a:r>
+              <a:rPr lang="de-DE" sz="2000" dirty="0"/>
+              <a:t> gelassen, führt bei mir zu dem Setup dass die </a:t>
+            </a:r>
+            <a:r>
+              <a:rPr lang="de-DE" sz="2000" dirty="0" err="1"/>
+              <a:t>env</a:t>
+            </a:r>
+            <a:r>
+              <a:rPr lang="de-DE" sz="2000" dirty="0"/>
+              <a:t> nicht da ist, wo der Code ist, der sie nutzt, habe auch nie etwas explizites beim Erstellen der </a:t>
+            </a:r>
+            <a:r>
+              <a:rPr lang="de-DE" sz="2000" dirty="0" err="1"/>
+              <a:t>envs</a:t>
+            </a:r>
+            <a:r>
+              <a:rPr lang="de-DE" sz="2000" dirty="0"/>
+              <a:t> angegeben</a:t>
+            </a:r>
+          </a:p>
+          <a:p>
+            <a:pPr marL="285750" indent="-285750">
+              <a:buFont typeface="Arial" panose="020B0604020202020204" pitchFamily="34" charset="0"/>
+              <a:buChar char="•"/>
+            </a:pPr>
+            <a:r>
+              <a:rPr lang="de-DE" sz="2000" b="1" dirty="0"/>
+              <a:t>Instruktionen:</a:t>
+            </a:r>
+          </a:p>
+          <a:p>
+            <a:pPr marL="742950" lvl="1" indent="-285750">
+              <a:buFont typeface="Arial" panose="020B0604020202020204" pitchFamily="34" charset="0"/>
+              <a:buChar char="•"/>
+            </a:pPr>
+            <a:r>
+              <a:rPr lang="de-DE" sz="2000" dirty="0"/>
+              <a:t>Jetzt mit Hinweis, dass die Wahrscheinlichkeit der Steuerung von der Seite abhängt</a:t>
+            </a:r>
+          </a:p>
+          <a:p>
+            <a:pPr marL="742950" lvl="1" indent="-285750">
+              <a:buFont typeface="Arial" panose="020B0604020202020204" pitchFamily="34" charset="0"/>
+              <a:buChar char="•"/>
+            </a:pPr>
+            <a:r>
+              <a:rPr lang="de-DE" sz="2000" dirty="0"/>
+              <a:t>Hinweis zur Punktevergabe aktualisiert</a:t>
+            </a:r>
+          </a:p>
+          <a:p>
+            <a:pPr marL="742950" lvl="1" indent="-285750">
+              <a:buFont typeface="Arial" panose="020B0604020202020204" pitchFamily="34" charset="0"/>
+              <a:buChar char="•"/>
+            </a:pPr>
+            <a:r>
+              <a:rPr lang="de-DE" sz="2000" dirty="0"/>
+              <a:t>Auf Hinweis einer Testperson: expliziter Hinweis, dass Korrektur möglich ist, wenn man sich über das Ziel hinaus bewegt</a:t>
+            </a:r>
+          </a:p>
+        </p:txBody>
+      </p:sp>
+    </p:spTree>
+    <p:extLst>
+      <p:ext uri="{BB962C8B-B14F-4D97-AF65-F5344CB8AC3E}">
+        <p14:creationId xmlns:p14="http://schemas.microsoft.com/office/powerpoint/2010/main" val="1398889665"/>
       </p:ext>
     </p:extLst>
   </p:cSld>
